--- a/images/old/images.pptx
+++ b/images/old/images.pptx
@@ -3490,8 +3490,10 @@
           </a:prstGeom>
           <a:gradFill flip="none" rotWithShape="1">
             <a:gsLst>
-              <a:gs pos="0">
-                <a:srgbClr val="00FF00"/>
+              <a:gs pos="30000">
+                <a:srgbClr val="00FF00">
+                  <a:alpha val="30000"/>
+                </a:srgbClr>
               </a:gs>
               <a:gs pos="69000">
                 <a:srgbClr val="00FF00">
@@ -3620,8 +3622,10 @@
           </a:prstGeom>
           <a:gradFill flip="none" rotWithShape="1">
             <a:gsLst>
-              <a:gs pos="0">
-                <a:srgbClr val="FFFF00"/>
+              <a:gs pos="30000">
+                <a:srgbClr val="FFFF00">
+                  <a:alpha val="30000"/>
+                </a:srgbClr>
               </a:gs>
               <a:gs pos="69000">
                 <a:srgbClr val="FFFF00">
@@ -3715,8 +3719,10 @@
           </a:prstGeom>
           <a:gradFill flip="none" rotWithShape="1">
             <a:gsLst>
-              <a:gs pos="0">
-                <a:srgbClr val="FF0000"/>
+              <a:gs pos="30000">
+                <a:srgbClr val="FF0000">
+                  <a:alpha val="30000"/>
+                </a:srgbClr>
               </a:gs>
               <a:gs pos="69000">
                 <a:srgbClr val="FF0000">
